--- a/content/blog/2022-12-07-automated-reporting-of-nlmixr2-fit-results-in-word-and-powerpoint/report.pptx
+++ b/content/blog/2022-12-07-automated-reporting-of-nlmixr2-fit-results-in-word-and-powerpoint/report.pptx
@@ -3673,15 +3673,15 @@
             <a:tbl>
               <a:tblPr/>
               <a:tblGrid>
-                <a:gridCol w="912957"/>
-                <a:gridCol w="610364"/>
-                <a:gridCol w="688059"/>
-                <a:gridCol w="672233"/>
-                <a:gridCol w="1875577"/>
-                <a:gridCol w="951633"/>
-                <a:gridCol w="1068073"/>
+                <a:gridCol w="993857"/>
+                <a:gridCol w="660706"/>
+                <a:gridCol w="749587"/>
+                <a:gridCol w="667527"/>
+                <a:gridCol w="2070530"/>
+                <a:gridCol w="975713"/>
+                <a:gridCol w="1141675"/>
               </a:tblGrid>
-              <a:tr h="391879">
+              <a:tr h="385330">
                 <a:tc>
                   <a:txBody>
                     <a:bodyPr/>
@@ -3706,10 +3706,10 @@
                               <a:alpha val="100000"/>
                             </a:srgbClr>
                           </a:solidFill>
-                          <a:latin typeface="Arial"/>
-                          <a:cs typeface="Arial"/>
-                          <a:ea typeface="Arial"/>
-                          <a:sym typeface="Arial"/>
+                          <a:latin typeface="DejaVu Sans"/>
+                          <a:cs typeface="DejaVu Sans"/>
+                          <a:ea typeface="DejaVu Sans"/>
+                          <a:sym typeface="DejaVu Sans"/>
                         </a:rPr>
                         <a:t>Parameter</a:t>
                       </a:r>
@@ -3724,7 +3724,7 @@
                       <a:noFill/>
                       <a:prstDash val="solid"/>
                     </a:lnR>
-                    <a:lnT algn="ctr" cmpd="sng" cap="flat" w="25400">
+                    <a:lnT algn="ctr" cmpd="sng" cap="flat" w="19050">
                       <a:solidFill>
                         <a:srgbClr val="666666">
                           <a:alpha val="100000"/>
@@ -3732,7 +3732,7 @@
                       </a:solidFill>
                       <a:prstDash val="solid"/>
                     </a:lnT>
-                    <a:lnB algn="ctr" cmpd="sng" cap="flat" w="25400">
+                    <a:lnB algn="ctr" cmpd="sng" cap="flat" w="19050">
                       <a:solidFill>
                         <a:srgbClr val="666666">
                           <a:alpha val="100000"/>
@@ -3771,10 +3771,10 @@
                               <a:alpha val="100000"/>
                             </a:srgbClr>
                           </a:solidFill>
-                          <a:latin typeface="Arial"/>
-                          <a:cs typeface="Arial"/>
-                          <a:ea typeface="Arial"/>
-                          <a:sym typeface="Arial"/>
+                          <a:latin typeface="DejaVu Sans"/>
+                          <a:cs typeface="DejaVu Sans"/>
+                          <a:ea typeface="DejaVu Sans"/>
+                          <a:sym typeface="DejaVu Sans"/>
                         </a:rPr>
                         <a:t>Est.</a:t>
                       </a:r>
@@ -3789,7 +3789,7 @@
                       <a:noFill/>
                       <a:prstDash val="solid"/>
                     </a:lnR>
-                    <a:lnT algn="ctr" cmpd="sng" cap="flat" w="25400">
+                    <a:lnT algn="ctr" cmpd="sng" cap="flat" w="19050">
                       <a:solidFill>
                         <a:srgbClr val="666666">
                           <a:alpha val="100000"/>
@@ -3797,7 +3797,7 @@
                       </a:solidFill>
                       <a:prstDash val="solid"/>
                     </a:lnT>
-                    <a:lnB algn="ctr" cmpd="sng" cap="flat" w="25400">
+                    <a:lnB algn="ctr" cmpd="sng" cap="flat" w="19050">
                       <a:solidFill>
                         <a:srgbClr val="666666">
                           <a:alpha val="100000"/>
@@ -3836,10 +3836,10 @@
                               <a:alpha val="100000"/>
                             </a:srgbClr>
                           </a:solidFill>
-                          <a:latin typeface="Arial"/>
-                          <a:cs typeface="Arial"/>
-                          <a:ea typeface="Arial"/>
-                          <a:sym typeface="Arial"/>
+                          <a:latin typeface="DejaVu Sans"/>
+                          <a:cs typeface="DejaVu Sans"/>
+                          <a:ea typeface="DejaVu Sans"/>
+                          <a:sym typeface="DejaVu Sans"/>
                         </a:rPr>
                         <a:t>SE</a:t>
                       </a:r>
@@ -3854,7 +3854,7 @@
                       <a:noFill/>
                       <a:prstDash val="solid"/>
                     </a:lnR>
-                    <a:lnT algn="ctr" cmpd="sng" cap="flat" w="25400">
+                    <a:lnT algn="ctr" cmpd="sng" cap="flat" w="19050">
                       <a:solidFill>
                         <a:srgbClr val="666666">
                           <a:alpha val="100000"/>
@@ -3862,7 +3862,7 @@
                       </a:solidFill>
                       <a:prstDash val="solid"/>
                     </a:lnT>
-                    <a:lnB algn="ctr" cmpd="sng" cap="flat" w="25400">
+                    <a:lnB algn="ctr" cmpd="sng" cap="flat" w="19050">
                       <a:solidFill>
                         <a:srgbClr val="666666">
                           <a:alpha val="100000"/>
@@ -3901,10 +3901,10 @@
                               <a:alpha val="100000"/>
                             </a:srgbClr>
                           </a:solidFill>
-                          <a:latin typeface="Arial"/>
-                          <a:cs typeface="Arial"/>
-                          <a:ea typeface="Arial"/>
-                          <a:sym typeface="Arial"/>
+                          <a:latin typeface="DejaVu Sans"/>
+                          <a:cs typeface="DejaVu Sans"/>
+                          <a:ea typeface="DejaVu Sans"/>
+                          <a:sym typeface="DejaVu Sans"/>
                         </a:rPr>
                         <a:t>%RSE</a:t>
                       </a:r>
@@ -3919,7 +3919,7 @@
                       <a:noFill/>
                       <a:prstDash val="solid"/>
                     </a:lnR>
-                    <a:lnT algn="ctr" cmpd="sng" cap="flat" w="25400">
+                    <a:lnT algn="ctr" cmpd="sng" cap="flat" w="19050">
                       <a:solidFill>
                         <a:srgbClr val="666666">
                           <a:alpha val="100000"/>
@@ -3927,7 +3927,7 @@
                       </a:solidFill>
                       <a:prstDash val="solid"/>
                     </a:lnT>
-                    <a:lnB algn="ctr" cmpd="sng" cap="flat" w="25400">
+                    <a:lnB algn="ctr" cmpd="sng" cap="flat" w="19050">
                       <a:solidFill>
                         <a:srgbClr val="666666">
                           <a:alpha val="100000"/>
@@ -3966,10 +3966,10 @@
                               <a:alpha val="100000"/>
                             </a:srgbClr>
                           </a:solidFill>
-                          <a:latin typeface="Arial"/>
-                          <a:cs typeface="Arial"/>
-                          <a:ea typeface="Arial"/>
-                          <a:sym typeface="Arial"/>
+                          <a:latin typeface="DejaVu Sans"/>
+                          <a:cs typeface="DejaVu Sans"/>
+                          <a:ea typeface="DejaVu Sans"/>
+                          <a:sym typeface="DejaVu Sans"/>
                         </a:rPr>
                         <a:t>Back-transformed(95%CI)</a:t>
                       </a:r>
@@ -3984,7 +3984,7 @@
                       <a:noFill/>
                       <a:prstDash val="solid"/>
                     </a:lnR>
-                    <a:lnT algn="ctr" cmpd="sng" cap="flat" w="25400">
+                    <a:lnT algn="ctr" cmpd="sng" cap="flat" w="19050">
                       <a:solidFill>
                         <a:srgbClr val="666666">
                           <a:alpha val="100000"/>
@@ -3992,7 +3992,7 @@
                       </a:solidFill>
                       <a:prstDash val="solid"/>
                     </a:lnT>
-                    <a:lnB algn="ctr" cmpd="sng" cap="flat" w="25400">
+                    <a:lnB algn="ctr" cmpd="sng" cap="flat" w="19050">
                       <a:solidFill>
                         <a:srgbClr val="666666">
                           <a:alpha val="100000"/>
@@ -4031,10 +4031,10 @@
                               <a:alpha val="100000"/>
                             </a:srgbClr>
                           </a:solidFill>
-                          <a:latin typeface="Arial"/>
-                          <a:cs typeface="Arial"/>
-                          <a:ea typeface="Arial"/>
-                          <a:sym typeface="Arial"/>
+                          <a:latin typeface="DejaVu Sans"/>
+                          <a:cs typeface="DejaVu Sans"/>
+                          <a:ea typeface="DejaVu Sans"/>
+                          <a:sym typeface="DejaVu Sans"/>
                         </a:rPr>
                         <a:t>BSV(CV%)</a:t>
                       </a:r>
@@ -4049,7 +4049,7 @@
                       <a:noFill/>
                       <a:prstDash val="solid"/>
                     </a:lnR>
-                    <a:lnT algn="ctr" cmpd="sng" cap="flat" w="25400">
+                    <a:lnT algn="ctr" cmpd="sng" cap="flat" w="19050">
                       <a:solidFill>
                         <a:srgbClr val="666666">
                           <a:alpha val="100000"/>
@@ -4057,7 +4057,7 @@
                       </a:solidFill>
                       <a:prstDash val="solid"/>
                     </a:lnT>
-                    <a:lnB algn="ctr" cmpd="sng" cap="flat" w="25400">
+                    <a:lnB algn="ctr" cmpd="sng" cap="flat" w="19050">
                       <a:solidFill>
                         <a:srgbClr val="666666">
                           <a:alpha val="100000"/>
@@ -4096,10 +4096,10 @@
                               <a:alpha val="100000"/>
                             </a:srgbClr>
                           </a:solidFill>
-                          <a:latin typeface="Arial"/>
-                          <a:cs typeface="Arial"/>
-                          <a:ea typeface="Arial"/>
-                          <a:sym typeface="Arial"/>
+                          <a:latin typeface="DejaVu Sans"/>
+                          <a:cs typeface="DejaVu Sans"/>
+                          <a:ea typeface="DejaVu Sans"/>
+                          <a:sym typeface="DejaVu Sans"/>
                         </a:rPr>
                         <a:t>Shrink(SD)%</a:t>
                       </a:r>
@@ -4114,7 +4114,7 @@
                       <a:noFill/>
                       <a:prstDash val="solid"/>
                     </a:lnR>
-                    <a:lnT algn="ctr" cmpd="sng" cap="flat" w="25400">
+                    <a:lnT algn="ctr" cmpd="sng" cap="flat" w="19050">
                       <a:solidFill>
                         <a:srgbClr val="666666">
                           <a:alpha val="100000"/>
@@ -4122,7 +4122,7 @@
                       </a:solidFill>
                       <a:prstDash val="solid"/>
                     </a:lnT>
-                    <a:lnB algn="ctr" cmpd="sng" cap="flat" w="25400">
+                    <a:lnB algn="ctr" cmpd="sng" cap="flat" w="19050">
                       <a:solidFill>
                         <a:srgbClr val="666666">
                           <a:alpha val="100000"/>
@@ -4138,7 +4138,7 @@
                   </a:tcPr>
                 </a:tc>
               </a:tr>
-              <a:tr h="401937">
+              <a:tr h="405096">
                 <a:tc>
                   <a:txBody>
                     <a:bodyPr/>
@@ -4220,10 +4220,10 @@
                               <a:alpha val="100000"/>
                             </a:srgbClr>
                           </a:solidFill>
-                          <a:latin typeface="Arial"/>
-                          <a:cs typeface="Arial"/>
-                          <a:ea typeface="Arial"/>
-                          <a:sym typeface="Arial"/>
+                          <a:latin typeface="DejaVu Sans"/>
+                          <a:cs typeface="DejaVu Sans"/>
+                          <a:ea typeface="DejaVu Sans"/>
+                          <a:sym typeface="DejaVu Sans"/>
                         </a:rPr>
                         <a:t>0.476</a:t>
                       </a:r>
@@ -4277,10 +4277,10 @@
                               <a:alpha val="100000"/>
                             </a:srgbClr>
                           </a:solidFill>
-                          <a:latin typeface="Arial"/>
-                          <a:cs typeface="Arial"/>
-                          <a:ea typeface="Arial"/>
-                          <a:sym typeface="Arial"/>
+                          <a:latin typeface="DejaVu Sans"/>
+                          <a:cs typeface="DejaVu Sans"/>
+                          <a:ea typeface="DejaVu Sans"/>
+                          <a:sym typeface="DejaVu Sans"/>
                         </a:rPr>
                         <a:t>0.203</a:t>
                       </a:r>
@@ -4334,10 +4334,10 @@
                               <a:alpha val="100000"/>
                             </a:srgbClr>
                           </a:solidFill>
-                          <a:latin typeface="Arial"/>
-                          <a:cs typeface="Arial"/>
-                          <a:ea typeface="Arial"/>
-                          <a:sym typeface="Arial"/>
+                          <a:latin typeface="DejaVu Sans"/>
+                          <a:cs typeface="DejaVu Sans"/>
+                          <a:ea typeface="DejaVu Sans"/>
+                          <a:sym typeface="DejaVu Sans"/>
                         </a:rPr>
                         <a:t>42.7</a:t>
                       </a:r>
@@ -4391,10 +4391,10 @@
                               <a:alpha val="100000"/>
                             </a:srgbClr>
                           </a:solidFill>
-                          <a:latin typeface="Arial"/>
-                          <a:cs typeface="Arial"/>
-                          <a:ea typeface="Arial"/>
-                          <a:sym typeface="Arial"/>
+                          <a:latin typeface="DejaVu Sans"/>
+                          <a:cs typeface="DejaVu Sans"/>
+                          <a:ea typeface="DejaVu Sans"/>
+                          <a:sym typeface="DejaVu Sans"/>
                         </a:rPr>
                         <a:t>1.61 (1.08, 2.39)</a:t>
                       </a:r>
@@ -4448,10 +4448,10 @@
                               <a:alpha val="100000"/>
                             </a:srgbClr>
                           </a:solidFill>
-                          <a:latin typeface="Arial"/>
-                          <a:cs typeface="Arial"/>
-                          <a:ea typeface="Arial"/>
-                          <a:sym typeface="Arial"/>
+                          <a:latin typeface="DejaVu Sans"/>
+                          <a:cs typeface="DejaVu Sans"/>
+                          <a:ea typeface="DejaVu Sans"/>
+                          <a:sym typeface="DejaVu Sans"/>
                         </a:rPr>
                         <a:t>69.8</a:t>
                       </a:r>
@@ -4505,10 +4505,10 @@
                               <a:alpha val="100000"/>
                             </a:srgbClr>
                           </a:solidFill>
-                          <a:latin typeface="Arial"/>
-                          <a:cs typeface="Arial"/>
-                          <a:ea typeface="Arial"/>
-                          <a:sym typeface="Arial"/>
+                          <a:latin typeface="DejaVu Sans"/>
+                          <a:cs typeface="DejaVu Sans"/>
+                          <a:ea typeface="DejaVu Sans"/>
+                          <a:sym typeface="DejaVu Sans"/>
                         </a:rPr>
                         <a:t>1.23%&lt;</a:t>
                       </a:r>
@@ -4539,7 +4539,7 @@
                   </a:tcPr>
                 </a:tc>
               </a:tr>
-              <a:tr h="403797">
+              <a:tr h="406925">
                 <a:tc>
                   <a:txBody>
                     <a:bodyPr/>
@@ -4621,10 +4621,10 @@
                               <a:alpha val="100000"/>
                             </a:srgbClr>
                           </a:solidFill>
-                          <a:latin typeface="Arial"/>
-                          <a:cs typeface="Arial"/>
-                          <a:ea typeface="Arial"/>
-                          <a:sym typeface="Arial"/>
+                          <a:latin typeface="DejaVu Sans"/>
+                          <a:cs typeface="DejaVu Sans"/>
+                          <a:ea typeface="DejaVu Sans"/>
+                          <a:sym typeface="DejaVu Sans"/>
                         </a:rPr>
                         <a:t>1.02</a:t>
                       </a:r>
@@ -4678,10 +4678,10 @@
                               <a:alpha val="100000"/>
                             </a:srgbClr>
                           </a:solidFill>
-                          <a:latin typeface="Arial"/>
-                          <a:cs typeface="Arial"/>
-                          <a:ea typeface="Arial"/>
-                          <a:sym typeface="Arial"/>
+                          <a:latin typeface="DejaVu Sans"/>
+                          <a:cs typeface="DejaVu Sans"/>
+                          <a:ea typeface="DejaVu Sans"/>
+                          <a:sym typeface="DejaVu Sans"/>
                         </a:rPr>
                         <a:t>0.0754</a:t>
                       </a:r>
@@ -4735,10 +4735,10 @@
                               <a:alpha val="100000"/>
                             </a:srgbClr>
                           </a:solidFill>
-                          <a:latin typeface="Arial"/>
-                          <a:cs typeface="Arial"/>
-                          <a:ea typeface="Arial"/>
-                          <a:sym typeface="Arial"/>
+                          <a:latin typeface="DejaVu Sans"/>
+                          <a:cs typeface="DejaVu Sans"/>
+                          <a:ea typeface="DejaVu Sans"/>
+                          <a:sym typeface="DejaVu Sans"/>
                         </a:rPr>
                         <a:t>7.42</a:t>
                       </a:r>
@@ -4792,10 +4792,10 @@
                               <a:alpha val="100000"/>
                             </a:srgbClr>
                           </a:solidFill>
-                          <a:latin typeface="Arial"/>
-                          <a:cs typeface="Arial"/>
-                          <a:ea typeface="Arial"/>
-                          <a:sym typeface="Arial"/>
+                          <a:latin typeface="DejaVu Sans"/>
+                          <a:cs typeface="DejaVu Sans"/>
+                          <a:ea typeface="DejaVu Sans"/>
+                          <a:sym typeface="DejaVu Sans"/>
                         </a:rPr>
                         <a:t>2.76 (2.38, 3.2)</a:t>
                       </a:r>
@@ -4849,10 +4849,10 @@
                               <a:alpha val="100000"/>
                             </a:srgbClr>
                           </a:solidFill>
-                          <a:latin typeface="Arial"/>
-                          <a:cs typeface="Arial"/>
-                          <a:ea typeface="Arial"/>
-                          <a:sym typeface="Arial"/>
+                          <a:latin typeface="DejaVu Sans"/>
+                          <a:cs typeface="DejaVu Sans"/>
+                          <a:ea typeface="DejaVu Sans"/>
+                          <a:sym typeface="DejaVu Sans"/>
                         </a:rPr>
                         <a:t>26.1</a:t>
                       </a:r>
@@ -4906,10 +4906,10 @@
                               <a:alpha val="100000"/>
                             </a:srgbClr>
                           </a:solidFill>
-                          <a:latin typeface="Arial"/>
-                          <a:cs typeface="Arial"/>
-                          <a:ea typeface="Arial"/>
-                          <a:sym typeface="Arial"/>
+                          <a:latin typeface="DejaVu Sans"/>
+                          <a:cs typeface="DejaVu Sans"/>
+                          <a:ea typeface="DejaVu Sans"/>
+                          <a:sym typeface="DejaVu Sans"/>
                         </a:rPr>
                         <a:t>2.36%&lt;</a:t>
                       </a:r>
@@ -4940,7 +4940,7 @@
                   </a:tcPr>
                 </a:tc>
               </a:tr>
-              <a:tr h="401937">
+              <a:tr h="405096">
                 <a:tc>
                   <a:txBody>
                     <a:bodyPr/>
@@ -5022,10 +5022,10 @@
                               <a:alpha val="100000"/>
                             </a:srgbClr>
                           </a:solidFill>
-                          <a:latin typeface="Arial"/>
-                          <a:cs typeface="Arial"/>
-                          <a:ea typeface="Arial"/>
-                          <a:sym typeface="Arial"/>
+                          <a:latin typeface="DejaVu Sans"/>
+                          <a:cs typeface="DejaVu Sans"/>
+                          <a:ea typeface="DejaVu Sans"/>
+                          <a:sym typeface="DejaVu Sans"/>
                         </a:rPr>
                         <a:t>3.46</a:t>
                       </a:r>
@@ -5079,10 +5079,10 @@
                               <a:alpha val="100000"/>
                             </a:srgbClr>
                           </a:solidFill>
-                          <a:latin typeface="Arial"/>
-                          <a:cs typeface="Arial"/>
-                          <a:ea typeface="Arial"/>
-                          <a:sym typeface="Arial"/>
+                          <a:latin typeface="DejaVu Sans"/>
+                          <a:cs typeface="DejaVu Sans"/>
+                          <a:ea typeface="DejaVu Sans"/>
+                          <a:sym typeface="DejaVu Sans"/>
                         </a:rPr>
                         <a:t>0.0632</a:t>
                       </a:r>
@@ -5136,10 +5136,10 @@
                               <a:alpha val="100000"/>
                             </a:srgbClr>
                           </a:solidFill>
-                          <a:latin typeface="Arial"/>
-                          <a:cs typeface="Arial"/>
-                          <a:ea typeface="Arial"/>
-                          <a:sym typeface="Arial"/>
+                          <a:latin typeface="DejaVu Sans"/>
+                          <a:cs typeface="DejaVu Sans"/>
+                          <a:ea typeface="DejaVu Sans"/>
+                          <a:sym typeface="DejaVu Sans"/>
                         </a:rPr>
                         <a:t>1.83</a:t>
                       </a:r>
@@ -5193,10 +5193,10 @@
                               <a:alpha val="100000"/>
                             </a:srgbClr>
                           </a:solidFill>
-                          <a:latin typeface="Arial"/>
-                          <a:cs typeface="Arial"/>
-                          <a:ea typeface="Arial"/>
-                          <a:sym typeface="Arial"/>
+                          <a:latin typeface="DejaVu Sans"/>
+                          <a:cs typeface="DejaVu Sans"/>
+                          <a:ea typeface="DejaVu Sans"/>
+                          <a:sym typeface="DejaVu Sans"/>
                         </a:rPr>
                         <a:t>31.8 (28.1, 36)</a:t>
                       </a:r>
@@ -5250,10 +5250,10 @@
                               <a:alpha val="100000"/>
                             </a:srgbClr>
                           </a:solidFill>
-                          <a:latin typeface="Arial"/>
-                          <a:cs typeface="Arial"/>
-                          <a:ea typeface="Arial"/>
-                          <a:sym typeface="Arial"/>
+                          <a:latin typeface="DejaVu Sans"/>
+                          <a:cs typeface="DejaVu Sans"/>
+                          <a:ea typeface="DejaVu Sans"/>
+                          <a:sym typeface="DejaVu Sans"/>
                         </a:rPr>
                         <a:t>13.8</a:t>
                       </a:r>
@@ -5307,10 +5307,10 @@
                               <a:alpha val="100000"/>
                             </a:srgbClr>
                           </a:solidFill>
-                          <a:latin typeface="Arial"/>
-                          <a:cs typeface="Arial"/>
-                          <a:ea typeface="Arial"/>
-                          <a:sym typeface="Arial"/>
+                          <a:latin typeface="DejaVu Sans"/>
+                          <a:cs typeface="DejaVu Sans"/>
+                          <a:ea typeface="DejaVu Sans"/>
+                          <a:sym typeface="DejaVu Sans"/>
                         </a:rPr>
                         <a:t>9.71%&lt;</a:t>
                       </a:r>
@@ -5341,7 +5341,7 @@
                   </a:tcPr>
                 </a:tc>
               </a:tr>
-              <a:tr h="371650">
+              <a:tr h="375378">
                 <a:tc>
                   <a:txBody>
                     <a:bodyPr/>
@@ -5388,7 +5388,7 @@
                       <a:noFill/>
                       <a:prstDash val="solid"/>
                     </a:lnT>
-                    <a:lnB algn="ctr" cmpd="sng" cap="flat" w="25400">
+                    <a:lnB algn="ctr" cmpd="sng" cap="flat" w="19050">
                       <a:solidFill>
                         <a:srgbClr val="666666">
                           <a:alpha val="100000"/>
@@ -5427,10 +5427,10 @@
                               <a:alpha val="100000"/>
                             </a:srgbClr>
                           </a:solidFill>
-                          <a:latin typeface="Arial"/>
-                          <a:cs typeface="Arial"/>
-                          <a:ea typeface="Arial"/>
-                          <a:sym typeface="Arial"/>
+                          <a:latin typeface="DejaVu Sans"/>
+                          <a:cs typeface="DejaVu Sans"/>
+                          <a:ea typeface="DejaVu Sans"/>
+                          <a:sym typeface="DejaVu Sans"/>
                         </a:rPr>
                         <a:t>0.696</a:t>
                       </a:r>
@@ -5449,7 +5449,7 @@
                       <a:noFill/>
                       <a:prstDash val="solid"/>
                     </a:lnT>
-                    <a:lnB algn="ctr" cmpd="sng" cap="flat" w="25400">
+                    <a:lnB algn="ctr" cmpd="sng" cap="flat" w="19050">
                       <a:solidFill>
                         <a:srgbClr val="666666">
                           <a:alpha val="100000"/>
@@ -5488,10 +5488,10 @@
                               <a:alpha val="100000"/>
                             </a:srgbClr>
                           </a:solidFill>
-                          <a:latin typeface="Arial"/>
-                          <a:cs typeface="Arial"/>
-                          <a:ea typeface="Arial"/>
-                          <a:sym typeface="Arial"/>
+                          <a:latin typeface="DejaVu Sans"/>
+                          <a:cs typeface="DejaVu Sans"/>
+                          <a:ea typeface="DejaVu Sans"/>
+                          <a:sym typeface="DejaVu Sans"/>
                         </a:rPr>
                         <a:t/>
                       </a:r>
@@ -5510,7 +5510,7 @@
                       <a:noFill/>
                       <a:prstDash val="solid"/>
                     </a:lnT>
-                    <a:lnB algn="ctr" cmpd="sng" cap="flat" w="25400">
+                    <a:lnB algn="ctr" cmpd="sng" cap="flat" w="19050">
                       <a:solidFill>
                         <a:srgbClr val="666666">
                           <a:alpha val="100000"/>
@@ -5549,10 +5549,10 @@
                               <a:alpha val="100000"/>
                             </a:srgbClr>
                           </a:solidFill>
-                          <a:latin typeface="Arial"/>
-                          <a:cs typeface="Arial"/>
-                          <a:ea typeface="Arial"/>
-                          <a:sym typeface="Arial"/>
+                          <a:latin typeface="DejaVu Sans"/>
+                          <a:cs typeface="DejaVu Sans"/>
+                          <a:ea typeface="DejaVu Sans"/>
+                          <a:sym typeface="DejaVu Sans"/>
                         </a:rPr>
                         <a:t/>
                       </a:r>
@@ -5571,7 +5571,7 @@
                       <a:noFill/>
                       <a:prstDash val="solid"/>
                     </a:lnT>
-                    <a:lnB algn="ctr" cmpd="sng" cap="flat" w="25400">
+                    <a:lnB algn="ctr" cmpd="sng" cap="flat" w="19050">
                       <a:solidFill>
                         <a:srgbClr val="666666">
                           <a:alpha val="100000"/>
@@ -5610,10 +5610,10 @@
                               <a:alpha val="100000"/>
                             </a:srgbClr>
                           </a:solidFill>
-                          <a:latin typeface="Arial"/>
-                          <a:cs typeface="Arial"/>
-                          <a:ea typeface="Arial"/>
-                          <a:sym typeface="Arial"/>
+                          <a:latin typeface="DejaVu Sans"/>
+                          <a:cs typeface="DejaVu Sans"/>
+                          <a:ea typeface="DejaVu Sans"/>
+                          <a:sym typeface="DejaVu Sans"/>
                         </a:rPr>
                         <a:t>0.696</a:t>
                       </a:r>
@@ -5632,7 +5632,7 @@
                       <a:noFill/>
                       <a:prstDash val="solid"/>
                     </a:lnT>
-                    <a:lnB algn="ctr" cmpd="sng" cap="flat" w="25400">
+                    <a:lnB algn="ctr" cmpd="sng" cap="flat" w="19050">
                       <a:solidFill>
                         <a:srgbClr val="666666">
                           <a:alpha val="100000"/>
@@ -5671,10 +5671,10 @@
                               <a:alpha val="100000"/>
                             </a:srgbClr>
                           </a:solidFill>
-                          <a:latin typeface="Arial"/>
-                          <a:cs typeface="Arial"/>
-                          <a:ea typeface="Arial"/>
-                          <a:sym typeface="Arial"/>
+                          <a:latin typeface="DejaVu Sans"/>
+                          <a:cs typeface="DejaVu Sans"/>
+                          <a:ea typeface="DejaVu Sans"/>
+                          <a:sym typeface="DejaVu Sans"/>
                         </a:rPr>
                         <a:t> </a:t>
                       </a:r>
@@ -5693,7 +5693,7 @@
                       <a:noFill/>
                       <a:prstDash val="solid"/>
                     </a:lnT>
-                    <a:lnB algn="ctr" cmpd="sng" cap="flat" w="25400">
+                    <a:lnB algn="ctr" cmpd="sng" cap="flat" w="19050">
                       <a:solidFill>
                         <a:srgbClr val="666666">
                           <a:alpha val="100000"/>
@@ -5732,10 +5732,10 @@
                               <a:alpha val="100000"/>
                             </a:srgbClr>
                           </a:solidFill>
-                          <a:latin typeface="Arial"/>
-                          <a:cs typeface="Arial"/>
-                          <a:ea typeface="Arial"/>
-                          <a:sym typeface="Arial"/>
+                          <a:latin typeface="DejaVu Sans"/>
+                          <a:cs typeface="DejaVu Sans"/>
+                          <a:ea typeface="DejaVu Sans"/>
+                          <a:sym typeface="DejaVu Sans"/>
                         </a:rPr>
                         <a:t> </a:t>
                       </a:r>
@@ -5754,7 +5754,7 @@
                       <a:noFill/>
                       <a:prstDash val="solid"/>
                     </a:lnT>
-                    <a:lnB algn="ctr" cmpd="sng" cap="flat" w="25400">
+                    <a:lnB algn="ctr" cmpd="sng" cap="flat" w="19050">
                       <a:solidFill>
                         <a:srgbClr val="666666">
                           <a:alpha val="100000"/>
